--- a/week-7&8/problem-set/2801ict-week7&8.pptx
+++ b/week-7&8/problem-set/2801ict-week7&8.pptx
@@ -283,7 +283,7 @@
           <a:p>
             <a:fld id="{3D2D70BE-9BA5-0840-995B-BFFD4C7FE959}" type="datetimeFigureOut">
               <a:rPr lang="en-US" smtClean="0"/>
-              <a:t>6/7/23</a:t>
+              <a:t>4/18/24</a:t>
             </a:fld>
             <a:endParaRPr lang="en-US"/>
           </a:p>
@@ -7954,7 +7954,7 @@
           <a:p>
             <a:fld id="{64F78B4D-07D2-EE44-97CA-39515812F8F1}" type="datetimeFigureOut">
               <a:rPr lang="en-US" smtClean="0"/>
-              <a:t>6/7/23</a:t>
+              <a:t>4/18/24</a:t>
             </a:fld>
             <a:endParaRPr lang="en-US"/>
           </a:p>
@@ -8154,7 +8154,7 @@
           <a:p>
             <a:fld id="{64F78B4D-07D2-EE44-97CA-39515812F8F1}" type="datetimeFigureOut">
               <a:rPr lang="en-US" smtClean="0"/>
-              <a:t>6/7/23</a:t>
+              <a:t>4/18/24</a:t>
             </a:fld>
             <a:endParaRPr lang="en-US"/>
           </a:p>
@@ -8364,7 +8364,7 @@
           <a:p>
             <a:fld id="{64F78B4D-07D2-EE44-97CA-39515812F8F1}" type="datetimeFigureOut">
               <a:rPr lang="en-US" smtClean="0"/>
-              <a:t>6/7/23</a:t>
+              <a:t>4/18/24</a:t>
             </a:fld>
             <a:endParaRPr lang="en-US"/>
           </a:p>
@@ -8564,7 +8564,7 @@
           <a:p>
             <a:fld id="{64F78B4D-07D2-EE44-97CA-39515812F8F1}" type="datetimeFigureOut">
               <a:rPr lang="en-US" smtClean="0"/>
-              <a:t>6/7/23</a:t>
+              <a:t>4/18/24</a:t>
             </a:fld>
             <a:endParaRPr lang="en-US"/>
           </a:p>
@@ -8840,7 +8840,7 @@
           <a:p>
             <a:fld id="{64F78B4D-07D2-EE44-97CA-39515812F8F1}" type="datetimeFigureOut">
               <a:rPr lang="en-US" smtClean="0"/>
-              <a:t>6/7/23</a:t>
+              <a:t>4/18/24</a:t>
             </a:fld>
             <a:endParaRPr lang="en-US"/>
           </a:p>
@@ -9108,7 +9108,7 @@
           <a:p>
             <a:fld id="{64F78B4D-07D2-EE44-97CA-39515812F8F1}" type="datetimeFigureOut">
               <a:rPr lang="en-US" smtClean="0"/>
-              <a:t>6/7/23</a:t>
+              <a:t>4/18/24</a:t>
             </a:fld>
             <a:endParaRPr lang="en-US"/>
           </a:p>
@@ -9523,7 +9523,7 @@
           <a:p>
             <a:fld id="{64F78B4D-07D2-EE44-97CA-39515812F8F1}" type="datetimeFigureOut">
               <a:rPr lang="en-US" smtClean="0"/>
-              <a:t>6/7/23</a:t>
+              <a:t>4/18/24</a:t>
             </a:fld>
             <a:endParaRPr lang="en-US"/>
           </a:p>
@@ -9665,7 +9665,7 @@
           <a:p>
             <a:fld id="{64F78B4D-07D2-EE44-97CA-39515812F8F1}" type="datetimeFigureOut">
               <a:rPr lang="en-US" smtClean="0"/>
-              <a:t>6/7/23</a:t>
+              <a:t>4/18/24</a:t>
             </a:fld>
             <a:endParaRPr lang="en-US"/>
           </a:p>
@@ -9778,7 +9778,7 @@
           <a:p>
             <a:fld id="{64F78B4D-07D2-EE44-97CA-39515812F8F1}" type="datetimeFigureOut">
               <a:rPr lang="en-US" smtClean="0"/>
-              <a:t>6/7/23</a:t>
+              <a:t>4/18/24</a:t>
             </a:fld>
             <a:endParaRPr lang="en-US"/>
           </a:p>
@@ -10091,7 +10091,7 @@
           <a:p>
             <a:fld id="{64F78B4D-07D2-EE44-97CA-39515812F8F1}" type="datetimeFigureOut">
               <a:rPr lang="en-US" smtClean="0"/>
-              <a:t>6/7/23</a:t>
+              <a:t>4/18/24</a:t>
             </a:fld>
             <a:endParaRPr lang="en-US"/>
           </a:p>
@@ -10380,7 +10380,7 @@
           <a:p>
             <a:fld id="{64F78B4D-07D2-EE44-97CA-39515812F8F1}" type="datetimeFigureOut">
               <a:rPr lang="en-US" smtClean="0"/>
-              <a:t>6/7/23</a:t>
+              <a:t>4/18/24</a:t>
             </a:fld>
             <a:endParaRPr lang="en-US"/>
           </a:p>
@@ -10626,7 +10626,7 @@
             <a:fld id="{64F78B4D-07D2-EE44-97CA-39515812F8F1}" type="datetimeFigureOut">
               <a:rPr lang="en-US" smtClean="0"/>
               <a:pPr/>
-              <a:t>6/7/23</a:t>
+              <a:t>4/18/24</a:t>
             </a:fld>
             <a:endParaRPr lang="en-US"/>
           </a:p>
@@ -14199,7 +14199,7 @@
         <p:spPr>
           <a:xfrm>
             <a:off x="5345722" y="85247"/>
-            <a:ext cx="6564923" cy="6740307"/>
+            <a:ext cx="6564923" cy="4893647"/>
           </a:xfrm>
           <a:prstGeom prst="rect">
             <a:avLst/>
@@ -14231,46 +14231,77 @@
                 <a:latin typeface="Times New Roman" panose="02020603050405020304" pitchFamily="18" charset="0"/>
                 <a:cs typeface="Times New Roman" panose="02020603050405020304" pitchFamily="18" charset="0"/>
               </a:rPr>
-              <a:t>(node, </a:t>
+              <a:t>(node):</a:t>
+            </a:r>
+          </a:p>
+          <a:p>
+            <a:r>
+              <a:rPr lang="en-US" sz="2400" dirty="0">
+                <a:latin typeface="Times New Roman" panose="02020603050405020304" pitchFamily="18" charset="0"/>
+                <a:cs typeface="Times New Roman" panose="02020603050405020304" pitchFamily="18" charset="0"/>
+              </a:rPr>
+              <a:t>    if not node:</a:t>
+            </a:r>
+          </a:p>
+          <a:p>
+            <a:r>
+              <a:rPr lang="en-US" sz="2400" dirty="0">
+                <a:latin typeface="Times New Roman" panose="02020603050405020304" pitchFamily="18" charset="0"/>
+                <a:cs typeface="Times New Roman" panose="02020603050405020304" pitchFamily="18" charset="0"/>
+              </a:rPr>
+              <a:t>        return True</a:t>
+            </a:r>
+          </a:p>
+          <a:p>
+            <a:r>
+              <a:rPr lang="en-US" sz="2400" dirty="0">
+                <a:latin typeface="Times New Roman" panose="02020603050405020304" pitchFamily="18" charset="0"/>
+                <a:cs typeface="Times New Roman" panose="02020603050405020304" pitchFamily="18" charset="0"/>
+              </a:rPr>
+              <a:t>    if </a:t>
             </a:r>
             <a:r>
               <a:rPr lang="en-US" sz="2400" dirty="0" err="1">
                 <a:latin typeface="Times New Roman" panose="02020603050405020304" pitchFamily="18" charset="0"/>
                 <a:cs typeface="Times New Roman" panose="02020603050405020304" pitchFamily="18" charset="0"/>
               </a:rPr>
-              <a:t>prev</a:t>
+              <a:t>node.value</a:t>
             </a:r>
             <a:r>
               <a:rPr lang="en-US" sz="2400" dirty="0">
                 <a:latin typeface="Times New Roman" panose="02020603050405020304" pitchFamily="18" charset="0"/>
                 <a:cs typeface="Times New Roman" panose="02020603050405020304" pitchFamily="18" charset="0"/>
               </a:rPr>
-              <a:t>=None):</a:t>
-            </a:r>
-          </a:p>
-          <a:p>
+              <a:t> &lt;= </a:t>
+            </a:r>
+            <a:r>
+              <a:rPr lang="en-US" sz="2400" dirty="0" err="1">
+                <a:latin typeface="Times New Roman" panose="02020603050405020304" pitchFamily="18" charset="0"/>
+                <a:cs typeface="Times New Roman" panose="02020603050405020304" pitchFamily="18" charset="0"/>
+              </a:rPr>
+              <a:t>node.left.value</a:t>
+            </a:r>
             <a:r>
               <a:rPr lang="en-US" sz="2400" dirty="0">
                 <a:latin typeface="Times New Roman" panose="02020603050405020304" pitchFamily="18" charset="0"/>
                 <a:cs typeface="Times New Roman" panose="02020603050405020304" pitchFamily="18" charset="0"/>
               </a:rPr>
-              <a:t>    if not node:</a:t>
-            </a:r>
-          </a:p>
-          <a:p>
+              <a:t> and </a:t>
+            </a:r>
+            <a:r>
+              <a:rPr lang="en-US" sz="2400" dirty="0" err="1">
+                <a:latin typeface="Times New Roman" panose="02020603050405020304" pitchFamily="18" charset="0"/>
+                <a:cs typeface="Times New Roman" panose="02020603050405020304" pitchFamily="18" charset="0"/>
+              </a:rPr>
+              <a:t>node.left</a:t>
+            </a:r>
             <a:r>
               <a:rPr lang="en-US" sz="2400" dirty="0">
                 <a:latin typeface="Times New Roman" panose="02020603050405020304" pitchFamily="18" charset="0"/>
                 <a:cs typeface="Times New Roman" panose="02020603050405020304" pitchFamily="18" charset="0"/>
               </a:rPr>
-              <a:t>        return True</a:t>
-            </a:r>
-          </a:p>
-          <a:p>
-            <a:endParaRPr lang="en-US" sz="2400" dirty="0">
-              <a:latin typeface="Times New Roman" panose="02020603050405020304" pitchFamily="18" charset="0"/>
-              <a:cs typeface="Times New Roman" panose="02020603050405020304" pitchFamily="18" charset="0"/>
-            </a:endParaRPr>
+              <a:t>:</a:t>
+            </a:r>
           </a:p>
           <a:p>
             <a:r>
@@ -14278,6 +14309,75 @@
                 <a:latin typeface="Times New Roman" panose="02020603050405020304" pitchFamily="18" charset="0"/>
                 <a:cs typeface="Times New Roman" panose="02020603050405020304" pitchFamily="18" charset="0"/>
               </a:rPr>
+              <a:t>	return False</a:t>
+            </a:r>
+          </a:p>
+          <a:p>
+            <a:r>
+              <a:rPr lang="en-US" sz="2400" dirty="0">
+                <a:latin typeface="Times New Roman" panose="02020603050405020304" pitchFamily="18" charset="0"/>
+                <a:cs typeface="Times New Roman" panose="02020603050405020304" pitchFamily="18" charset="0"/>
+              </a:rPr>
+              <a:t>    if </a:t>
+            </a:r>
+            <a:r>
+              <a:rPr lang="en-US" sz="2400" dirty="0" err="1">
+                <a:latin typeface="Times New Roman" panose="02020603050405020304" pitchFamily="18" charset="0"/>
+                <a:cs typeface="Times New Roman" panose="02020603050405020304" pitchFamily="18" charset="0"/>
+              </a:rPr>
+              <a:t>node.value</a:t>
+            </a:r>
+            <a:r>
+              <a:rPr lang="en-US" sz="2400" dirty="0">
+                <a:latin typeface="Times New Roman" panose="02020603050405020304" pitchFamily="18" charset="0"/>
+                <a:cs typeface="Times New Roman" panose="02020603050405020304" pitchFamily="18" charset="0"/>
+              </a:rPr>
+              <a:t> &gt;= </a:t>
+            </a:r>
+            <a:r>
+              <a:rPr lang="en-US" sz="2400" dirty="0" err="1">
+                <a:latin typeface="Times New Roman" panose="02020603050405020304" pitchFamily="18" charset="0"/>
+                <a:cs typeface="Times New Roman" panose="02020603050405020304" pitchFamily="18" charset="0"/>
+              </a:rPr>
+              <a:t>node.right.value</a:t>
+            </a:r>
+            <a:r>
+              <a:rPr lang="en-US" sz="2400" dirty="0">
+                <a:latin typeface="Times New Roman" panose="02020603050405020304" pitchFamily="18" charset="0"/>
+                <a:cs typeface="Times New Roman" panose="02020603050405020304" pitchFamily="18" charset="0"/>
+              </a:rPr>
+              <a:t> and </a:t>
+            </a:r>
+            <a:r>
+              <a:rPr lang="en-US" sz="2400" dirty="0" err="1">
+                <a:latin typeface="Times New Roman" panose="02020603050405020304" pitchFamily="18" charset="0"/>
+                <a:cs typeface="Times New Roman" panose="02020603050405020304" pitchFamily="18" charset="0"/>
+              </a:rPr>
+              <a:t>node.right</a:t>
+            </a:r>
+            <a:r>
+              <a:rPr lang="en-US" sz="2400" dirty="0">
+                <a:latin typeface="Times New Roman" panose="02020603050405020304" pitchFamily="18" charset="0"/>
+                <a:cs typeface="Times New Roman" panose="02020603050405020304" pitchFamily="18" charset="0"/>
+              </a:rPr>
+              <a:t>:</a:t>
+            </a:r>
+          </a:p>
+          <a:p>
+            <a:r>
+              <a:rPr lang="en-US" sz="2400" dirty="0">
+                <a:latin typeface="Times New Roman" panose="02020603050405020304" pitchFamily="18" charset="0"/>
+                <a:cs typeface="Times New Roman" panose="02020603050405020304" pitchFamily="18" charset="0"/>
+              </a:rPr>
+              <a:t>	return False</a:t>
+            </a:r>
+          </a:p>
+          <a:p>
+            <a:r>
+              <a:rPr lang="en-US" sz="2400" dirty="0">
+                <a:latin typeface="Times New Roman" panose="02020603050405020304" pitchFamily="18" charset="0"/>
+                <a:cs typeface="Times New Roman" panose="02020603050405020304" pitchFamily="18" charset="0"/>
+              </a:rPr>
               <a:t>    # Traverse the left subtree</a:t>
             </a:r>
           </a:p>
@@ -14315,143 +14415,16 @@
                 <a:latin typeface="Times New Roman" panose="02020603050405020304" pitchFamily="18" charset="0"/>
                 <a:cs typeface="Times New Roman" panose="02020603050405020304" pitchFamily="18" charset="0"/>
               </a:rPr>
-              <a:t>, </a:t>
-            </a:r>
-            <a:r>
-              <a:rPr lang="en-US" sz="2400" dirty="0" err="1">
-                <a:latin typeface="Times New Roman" panose="02020603050405020304" pitchFamily="18" charset="0"/>
-                <a:cs typeface="Times New Roman" panose="02020603050405020304" pitchFamily="18" charset="0"/>
-              </a:rPr>
-              <a:t>prev</a:t>
-            </a:r>
+              <a:t>):</a:t>
+            </a:r>
+          </a:p>
+          <a:p>
             <a:r>
               <a:rPr lang="en-US" sz="2400" dirty="0">
                 <a:latin typeface="Times New Roman" panose="02020603050405020304" pitchFamily="18" charset="0"/>
                 <a:cs typeface="Times New Roman" panose="02020603050405020304" pitchFamily="18" charset="0"/>
               </a:rPr>
-              <a:t>):</a:t>
-            </a:r>
-          </a:p>
-          <a:p>
-            <a:r>
-              <a:rPr lang="en-US" sz="2400" dirty="0">
-                <a:latin typeface="Times New Roman" panose="02020603050405020304" pitchFamily="18" charset="0"/>
-                <a:cs typeface="Times New Roman" panose="02020603050405020304" pitchFamily="18" charset="0"/>
-              </a:rPr>
               <a:t>        return False</a:t>
-            </a:r>
-          </a:p>
-          <a:p>
-            <a:endParaRPr lang="en-US" sz="2400" dirty="0">
-              <a:latin typeface="Times New Roman" panose="02020603050405020304" pitchFamily="18" charset="0"/>
-              <a:cs typeface="Times New Roman" panose="02020603050405020304" pitchFamily="18" charset="0"/>
-            </a:endParaRPr>
-          </a:p>
-          <a:p>
-            <a:r>
-              <a:rPr lang="en-US" sz="2400" dirty="0">
-                <a:latin typeface="Times New Roman" panose="02020603050405020304" pitchFamily="18" charset="0"/>
-                <a:cs typeface="Times New Roman" panose="02020603050405020304" pitchFamily="18" charset="0"/>
-              </a:rPr>
-              <a:t>    # Check if the current node's value is greater than the previous node's value</a:t>
-            </a:r>
-          </a:p>
-          <a:p>
-            <a:r>
-              <a:rPr lang="en-US" sz="2400" dirty="0">
-                <a:latin typeface="Times New Roman" panose="02020603050405020304" pitchFamily="18" charset="0"/>
-                <a:cs typeface="Times New Roman" panose="02020603050405020304" pitchFamily="18" charset="0"/>
-              </a:rPr>
-              <a:t>    if </a:t>
-            </a:r>
-            <a:r>
-              <a:rPr lang="en-US" sz="2400" dirty="0" err="1">
-                <a:latin typeface="Times New Roman" panose="02020603050405020304" pitchFamily="18" charset="0"/>
-                <a:cs typeface="Times New Roman" panose="02020603050405020304" pitchFamily="18" charset="0"/>
-              </a:rPr>
-              <a:t>prev</a:t>
-            </a:r>
-            <a:r>
-              <a:rPr lang="en-US" sz="2400" dirty="0">
-                <a:latin typeface="Times New Roman" panose="02020603050405020304" pitchFamily="18" charset="0"/>
-                <a:cs typeface="Times New Roman" panose="02020603050405020304" pitchFamily="18" charset="0"/>
-              </a:rPr>
-              <a:t> and </a:t>
-            </a:r>
-            <a:r>
-              <a:rPr lang="en-US" sz="2400" dirty="0" err="1">
-                <a:latin typeface="Times New Roman" panose="02020603050405020304" pitchFamily="18" charset="0"/>
-                <a:cs typeface="Times New Roman" panose="02020603050405020304" pitchFamily="18" charset="0"/>
-              </a:rPr>
-              <a:t>prev.value</a:t>
-            </a:r>
-            <a:r>
-              <a:rPr lang="en-US" sz="2400" dirty="0">
-                <a:latin typeface="Times New Roman" panose="02020603050405020304" pitchFamily="18" charset="0"/>
-                <a:cs typeface="Times New Roman" panose="02020603050405020304" pitchFamily="18" charset="0"/>
-              </a:rPr>
-              <a:t> &gt;= </a:t>
-            </a:r>
-            <a:r>
-              <a:rPr lang="en-US" sz="2400" dirty="0" err="1">
-                <a:latin typeface="Times New Roman" panose="02020603050405020304" pitchFamily="18" charset="0"/>
-                <a:cs typeface="Times New Roman" panose="02020603050405020304" pitchFamily="18" charset="0"/>
-              </a:rPr>
-              <a:t>node.value</a:t>
-            </a:r>
-            <a:r>
-              <a:rPr lang="en-US" sz="2400" dirty="0">
-                <a:latin typeface="Times New Roman" panose="02020603050405020304" pitchFamily="18" charset="0"/>
-                <a:cs typeface="Times New Roman" panose="02020603050405020304" pitchFamily="18" charset="0"/>
-              </a:rPr>
-              <a:t>:</a:t>
-            </a:r>
-          </a:p>
-          <a:p>
-            <a:r>
-              <a:rPr lang="en-US" sz="2400" dirty="0">
-                <a:latin typeface="Times New Roman" panose="02020603050405020304" pitchFamily="18" charset="0"/>
-                <a:cs typeface="Times New Roman" panose="02020603050405020304" pitchFamily="18" charset="0"/>
-              </a:rPr>
-              <a:t>        return False</a:t>
-            </a:r>
-          </a:p>
-          <a:p>
-            <a:endParaRPr lang="en-US" sz="2400" dirty="0">
-              <a:latin typeface="Times New Roman" panose="02020603050405020304" pitchFamily="18" charset="0"/>
-              <a:cs typeface="Times New Roman" panose="02020603050405020304" pitchFamily="18" charset="0"/>
-            </a:endParaRPr>
-          </a:p>
-          <a:p>
-            <a:r>
-              <a:rPr lang="en-US" sz="2400" dirty="0">
-                <a:latin typeface="Times New Roman" panose="02020603050405020304" pitchFamily="18" charset="0"/>
-                <a:cs typeface="Times New Roman" panose="02020603050405020304" pitchFamily="18" charset="0"/>
-              </a:rPr>
-              <a:t>    # Update the previous node's value</a:t>
-            </a:r>
-          </a:p>
-          <a:p>
-            <a:r>
-              <a:rPr lang="en-US" sz="2400" dirty="0">
-                <a:latin typeface="Times New Roman" panose="02020603050405020304" pitchFamily="18" charset="0"/>
-                <a:cs typeface="Times New Roman" panose="02020603050405020304" pitchFamily="18" charset="0"/>
-              </a:rPr>
-              <a:t>    </a:t>
-            </a:r>
-            <a:r>
-              <a:rPr lang="en-US" sz="2400" dirty="0" err="1">
-                <a:latin typeface="Times New Roman" panose="02020603050405020304" pitchFamily="18" charset="0"/>
-                <a:cs typeface="Times New Roman" panose="02020603050405020304" pitchFamily="18" charset="0"/>
-              </a:rPr>
-              <a:t>prev</a:t>
-            </a:r>
-            <a:r>
-              <a:rPr lang="en-US" sz="2400" dirty="0">
-                <a:latin typeface="Times New Roman" panose="02020603050405020304" pitchFamily="18" charset="0"/>
-                <a:cs typeface="Times New Roman" panose="02020603050405020304" pitchFamily="18" charset="0"/>
-              </a:rPr>
-              <a:t> = node</a:t>
             </a:r>
           </a:p>
           <a:p>

--- a/week-7&8/problem-set/2801ict-week7&8.pptx
+++ b/week-7&8/problem-set/2801ict-week7&8.pptx
@@ -287,7 +287,7 @@
           <a:p>
             <a:fld id="{3D2D70BE-9BA5-0840-995B-BFFD4C7FE959}" type="datetimeFigureOut">
               <a:rPr lang="en-US" smtClean="0"/>
-              <a:t>6/6/23</a:t>
+              <a:t>4/26/24</a:t>
             </a:fld>
             <a:endParaRPr lang="en-US"/>
           </a:p>
@@ -9118,7 +9118,7 @@
           <a:p>
             <a:fld id="{64F78B4D-07D2-EE44-97CA-39515812F8F1}" type="datetimeFigureOut">
               <a:rPr lang="en-US" smtClean="0"/>
-              <a:t>6/6/23</a:t>
+              <a:t>4/26/24</a:t>
             </a:fld>
             <a:endParaRPr lang="en-US"/>
           </a:p>
@@ -9318,7 +9318,7 @@
           <a:p>
             <a:fld id="{64F78B4D-07D2-EE44-97CA-39515812F8F1}" type="datetimeFigureOut">
               <a:rPr lang="en-US" smtClean="0"/>
-              <a:t>6/6/23</a:t>
+              <a:t>4/26/24</a:t>
             </a:fld>
             <a:endParaRPr lang="en-US"/>
           </a:p>
@@ -9528,7 +9528,7 @@
           <a:p>
             <a:fld id="{64F78B4D-07D2-EE44-97CA-39515812F8F1}" type="datetimeFigureOut">
               <a:rPr lang="en-US" smtClean="0"/>
-              <a:t>6/6/23</a:t>
+              <a:t>4/26/24</a:t>
             </a:fld>
             <a:endParaRPr lang="en-US"/>
           </a:p>
@@ -9728,7 +9728,7 @@
           <a:p>
             <a:fld id="{64F78B4D-07D2-EE44-97CA-39515812F8F1}" type="datetimeFigureOut">
               <a:rPr lang="en-US" smtClean="0"/>
-              <a:t>6/6/23</a:t>
+              <a:t>4/26/24</a:t>
             </a:fld>
             <a:endParaRPr lang="en-US"/>
           </a:p>
@@ -10004,7 +10004,7 @@
           <a:p>
             <a:fld id="{64F78B4D-07D2-EE44-97CA-39515812F8F1}" type="datetimeFigureOut">
               <a:rPr lang="en-US" smtClean="0"/>
-              <a:t>6/6/23</a:t>
+              <a:t>4/26/24</a:t>
             </a:fld>
             <a:endParaRPr lang="en-US"/>
           </a:p>
@@ -10272,7 +10272,7 @@
           <a:p>
             <a:fld id="{64F78B4D-07D2-EE44-97CA-39515812F8F1}" type="datetimeFigureOut">
               <a:rPr lang="en-US" smtClean="0"/>
-              <a:t>6/6/23</a:t>
+              <a:t>4/26/24</a:t>
             </a:fld>
             <a:endParaRPr lang="en-US"/>
           </a:p>
@@ -10687,7 +10687,7 @@
           <a:p>
             <a:fld id="{64F78B4D-07D2-EE44-97CA-39515812F8F1}" type="datetimeFigureOut">
               <a:rPr lang="en-US" smtClean="0"/>
-              <a:t>6/6/23</a:t>
+              <a:t>4/26/24</a:t>
             </a:fld>
             <a:endParaRPr lang="en-US"/>
           </a:p>
@@ -10829,7 +10829,7 @@
           <a:p>
             <a:fld id="{64F78B4D-07D2-EE44-97CA-39515812F8F1}" type="datetimeFigureOut">
               <a:rPr lang="en-US" smtClean="0"/>
-              <a:t>6/6/23</a:t>
+              <a:t>4/26/24</a:t>
             </a:fld>
             <a:endParaRPr lang="en-US"/>
           </a:p>
@@ -10942,7 +10942,7 @@
           <a:p>
             <a:fld id="{64F78B4D-07D2-EE44-97CA-39515812F8F1}" type="datetimeFigureOut">
               <a:rPr lang="en-US" smtClean="0"/>
-              <a:t>6/6/23</a:t>
+              <a:t>4/26/24</a:t>
             </a:fld>
             <a:endParaRPr lang="en-US"/>
           </a:p>
@@ -11255,7 +11255,7 @@
           <a:p>
             <a:fld id="{64F78B4D-07D2-EE44-97CA-39515812F8F1}" type="datetimeFigureOut">
               <a:rPr lang="en-US" smtClean="0"/>
-              <a:t>6/6/23</a:t>
+              <a:t>4/26/24</a:t>
             </a:fld>
             <a:endParaRPr lang="en-US"/>
           </a:p>
@@ -11544,7 +11544,7 @@
           <a:p>
             <a:fld id="{64F78B4D-07D2-EE44-97CA-39515812F8F1}" type="datetimeFigureOut">
               <a:rPr lang="en-US" smtClean="0"/>
-              <a:t>6/6/23</a:t>
+              <a:t>4/26/24</a:t>
             </a:fld>
             <a:endParaRPr lang="en-US"/>
           </a:p>
@@ -11790,7 +11790,7 @@
             <a:fld id="{64F78B4D-07D2-EE44-97CA-39515812F8F1}" type="datetimeFigureOut">
               <a:rPr lang="en-US" smtClean="0"/>
               <a:pPr/>
-              <a:t>6/6/23</a:t>
+              <a:t>4/26/24</a:t>
             </a:fld>
             <a:endParaRPr lang="en-US"/>
           </a:p>
@@ -25315,7 +25315,7 @@
             </a:pPr>
             <a:r>
               <a:rPr lang="en-US" b="1" dirty="0"/>
-              <a:t>   T(</a:t>
+              <a:t>   F(</a:t>
             </a:r>
             <a:r>
               <a:rPr lang="en-US" b="1" dirty="0" err="1"/>
@@ -25323,7 +25323,7 @@
             </a:r>
             <a:r>
               <a:rPr lang="en-US" b="1" dirty="0"/>
-              <a:t>) = T(i-1) * T(n-</a:t>
+              <a:t>) = F(i-1) * F(n-</a:t>
             </a:r>
             <a:r>
               <a:rPr lang="en-US" b="1" dirty="0" err="1"/>
@@ -25348,7 +25348,7 @@
             </a:pPr>
             <a:r>
               <a:rPr lang="en-US" b="1" dirty="0"/>
-              <a:t>   T(0) = T(1) = 1</a:t>
+              <a:t>   F(0) = F(1) = 1</a:t>
             </a:r>
           </a:p>
         </p:txBody>

--- a/week-7&8/problem-set/2801ict-week7&8.pptx
+++ b/week-7&8/problem-set/2801ict-week7&8.pptx
@@ -287,7 +287,7 @@
           <a:p>
             <a:fld id="{3D2D70BE-9BA5-0840-995B-BFFD4C7FE959}" type="datetimeFigureOut">
               <a:rPr lang="en-US" smtClean="0"/>
-              <a:t>4/26/24</a:t>
+              <a:t>6/6/24</a:t>
             </a:fld>
             <a:endParaRPr lang="en-US"/>
           </a:p>
@@ -9118,7 +9118,7 @@
           <a:p>
             <a:fld id="{64F78B4D-07D2-EE44-97CA-39515812F8F1}" type="datetimeFigureOut">
               <a:rPr lang="en-US" smtClean="0"/>
-              <a:t>4/26/24</a:t>
+              <a:t>6/6/24</a:t>
             </a:fld>
             <a:endParaRPr lang="en-US"/>
           </a:p>
@@ -9318,7 +9318,7 @@
           <a:p>
             <a:fld id="{64F78B4D-07D2-EE44-97CA-39515812F8F1}" type="datetimeFigureOut">
               <a:rPr lang="en-US" smtClean="0"/>
-              <a:t>4/26/24</a:t>
+              <a:t>6/6/24</a:t>
             </a:fld>
             <a:endParaRPr lang="en-US"/>
           </a:p>
@@ -9528,7 +9528,7 @@
           <a:p>
             <a:fld id="{64F78B4D-07D2-EE44-97CA-39515812F8F1}" type="datetimeFigureOut">
               <a:rPr lang="en-US" smtClean="0"/>
-              <a:t>4/26/24</a:t>
+              <a:t>6/6/24</a:t>
             </a:fld>
             <a:endParaRPr lang="en-US"/>
           </a:p>
@@ -9728,7 +9728,7 @@
           <a:p>
             <a:fld id="{64F78B4D-07D2-EE44-97CA-39515812F8F1}" type="datetimeFigureOut">
               <a:rPr lang="en-US" smtClean="0"/>
-              <a:t>4/26/24</a:t>
+              <a:t>6/6/24</a:t>
             </a:fld>
             <a:endParaRPr lang="en-US"/>
           </a:p>
@@ -10004,7 +10004,7 @@
           <a:p>
             <a:fld id="{64F78B4D-07D2-EE44-97CA-39515812F8F1}" type="datetimeFigureOut">
               <a:rPr lang="en-US" smtClean="0"/>
-              <a:t>4/26/24</a:t>
+              <a:t>6/6/24</a:t>
             </a:fld>
             <a:endParaRPr lang="en-US"/>
           </a:p>
@@ -10272,7 +10272,7 @@
           <a:p>
             <a:fld id="{64F78B4D-07D2-EE44-97CA-39515812F8F1}" type="datetimeFigureOut">
               <a:rPr lang="en-US" smtClean="0"/>
-              <a:t>4/26/24</a:t>
+              <a:t>6/6/24</a:t>
             </a:fld>
             <a:endParaRPr lang="en-US"/>
           </a:p>
@@ -10687,7 +10687,7 @@
           <a:p>
             <a:fld id="{64F78B4D-07D2-EE44-97CA-39515812F8F1}" type="datetimeFigureOut">
               <a:rPr lang="en-US" smtClean="0"/>
-              <a:t>4/26/24</a:t>
+              <a:t>6/6/24</a:t>
             </a:fld>
             <a:endParaRPr lang="en-US"/>
           </a:p>
@@ -10829,7 +10829,7 @@
           <a:p>
             <a:fld id="{64F78B4D-07D2-EE44-97CA-39515812F8F1}" type="datetimeFigureOut">
               <a:rPr lang="en-US" smtClean="0"/>
-              <a:t>4/26/24</a:t>
+              <a:t>6/6/24</a:t>
             </a:fld>
             <a:endParaRPr lang="en-US"/>
           </a:p>
@@ -10942,7 +10942,7 @@
           <a:p>
             <a:fld id="{64F78B4D-07D2-EE44-97CA-39515812F8F1}" type="datetimeFigureOut">
               <a:rPr lang="en-US" smtClean="0"/>
-              <a:t>4/26/24</a:t>
+              <a:t>6/6/24</a:t>
             </a:fld>
             <a:endParaRPr lang="en-US"/>
           </a:p>
@@ -11255,7 +11255,7 @@
           <a:p>
             <a:fld id="{64F78B4D-07D2-EE44-97CA-39515812F8F1}" type="datetimeFigureOut">
               <a:rPr lang="en-US" smtClean="0"/>
-              <a:t>4/26/24</a:t>
+              <a:t>6/6/24</a:t>
             </a:fld>
             <a:endParaRPr lang="en-US"/>
           </a:p>
@@ -11544,7 +11544,7 @@
           <a:p>
             <a:fld id="{64F78B4D-07D2-EE44-97CA-39515812F8F1}" type="datetimeFigureOut">
               <a:rPr lang="en-US" smtClean="0"/>
-              <a:t>4/26/24</a:t>
+              <a:t>6/6/24</a:t>
             </a:fld>
             <a:endParaRPr lang="en-US"/>
           </a:p>
@@ -11790,7 +11790,7 @@
             <a:fld id="{64F78B4D-07D2-EE44-97CA-39515812F8F1}" type="datetimeFigureOut">
               <a:rPr lang="en-US" smtClean="0"/>
               <a:pPr/>
-              <a:t>4/26/24</a:t>
+              <a:t>6/6/24</a:t>
             </a:fld>
             <a:endParaRPr lang="en-US"/>
           </a:p>
@@ -25795,7 +25795,7 @@
                 <a:latin typeface="Times New Roman" panose="02020603050405020304" pitchFamily="18" charset="0"/>
                 <a:cs typeface="Times New Roman" panose="02020603050405020304" pitchFamily="18" charset="0"/>
               </a:rPr>
-              <a:t>Key: 75, Hash: 75 mod 11 = 8 =&gt; behind key 30 </a:t>
+              <a:t>Key: 75, Hash: 75 mod 11 = 9 =&gt; behind key 20 </a:t>
             </a:r>
           </a:p>
           <a:p>
@@ -25806,8 +25806,20 @@
                 <a:latin typeface="Times New Roman" panose="02020603050405020304" pitchFamily="18" charset="0"/>
                 <a:cs typeface="Times New Roman" panose="02020603050405020304" pitchFamily="18" charset="0"/>
               </a:rPr>
-              <a:t>Key: 31, Hash: 31 mod 11 = 9 =&gt; behind key 20</a:t>
-            </a:r>
+              <a:t>Key: 31, Hash: 31 mod 11 = 9 =&gt; behind key </a:t>
+            </a:r>
+            <a:r>
+              <a:rPr lang="en-AU" sz="2400" dirty="0">
+                <a:latin typeface="Times New Roman" panose="02020603050405020304" pitchFamily="18" charset="0"/>
+                <a:cs typeface="Times New Roman" panose="02020603050405020304" pitchFamily="18" charset="0"/>
+              </a:rPr>
+              <a:t>75</a:t>
+            </a:r>
+            <a:endParaRPr lang="en-AU" sz="2400" b="0" i="0" u="none" strike="noStrike" dirty="0">
+              <a:effectLst/>
+              <a:latin typeface="Times New Roman" panose="02020603050405020304" pitchFamily="18" charset="0"/>
+              <a:cs typeface="Times New Roman" panose="02020603050405020304" pitchFamily="18" charset="0"/>
+            </a:endParaRPr>
           </a:p>
           <a:p>
             <a:pPr algn="l"/>
@@ -25817,7 +25829,7 @@
                 <a:latin typeface="Times New Roman" panose="02020603050405020304" pitchFamily="18" charset="0"/>
                 <a:cs typeface="Times New Roman" panose="02020603050405020304" pitchFamily="18" charset="0"/>
               </a:rPr>
-              <a:t>Key: 19, Hash: 19 mod 11 = 8 =&gt; behind key 75</a:t>
+              <a:t>Key: 19, Hash: 19 mod 11 = 8 =&gt; behind key 30</a:t>
             </a:r>
           </a:p>
         </p:txBody>
@@ -25975,7 +25987,7 @@
                 <a:latin typeface="Times New Roman" panose="02020603050405020304" pitchFamily="18" charset="0"/>
                 <a:cs typeface="Times New Roman" panose="02020603050405020304" pitchFamily="18" charset="0"/>
               </a:rPr>
-              <a:t>8 -&gt; 30 -&gt; 75 -&gt; 19</a:t>
+              <a:t>8 -&gt; 30 -&gt; 19</a:t>
             </a:r>
           </a:p>
           <a:p>
@@ -25984,7 +25996,7 @@
                 <a:latin typeface="Times New Roman" panose="02020603050405020304" pitchFamily="18" charset="0"/>
                 <a:cs typeface="Times New Roman" panose="02020603050405020304" pitchFamily="18" charset="0"/>
               </a:rPr>
-              <a:t>9 -&gt; 20 -&gt; 31</a:t>
+              <a:t>9 -&gt; 20 -&gt; 75 -&gt; 31</a:t>
             </a:r>
           </a:p>
           <a:p>
@@ -26158,7 +26170,7 @@
               <a:rPr lang="en-AU" sz="2400" b="0" i="0" u="none" strike="noStrike" dirty="0">
                 <a:effectLst/>
               </a:rPr>
-              <a:t>This occurs at slot 8, which has 3 keys (30, 75, 19). Therefore, the largest number of key comparisons is 3.</a:t>
+              <a:t>This occurs at slot 8, which has 3 keys (20, 75, 31). Therefore, the largest number of key comparisons is 3.</a:t>
             </a:r>
           </a:p>
           <a:p>
@@ -26589,7 +26601,7 @@
         <p:spPr>
           <a:xfrm>
             <a:off x="9352189" y="1473200"/>
-            <a:ext cx="2371724" cy="5262979"/>
+            <a:ext cx="2371724" cy="4893647"/>
           </a:xfrm>
           <a:prstGeom prst="rect">
             <a:avLst/>
@@ -26625,7 +26637,7 @@
                 <a:latin typeface="Times New Roman" panose="02020603050405020304" pitchFamily="18" charset="0"/>
                 <a:cs typeface="Times New Roman" panose="02020603050405020304" pitchFamily="18" charset="0"/>
               </a:rPr>
-              <a:t>1        |</a:t>
+              <a:t>0        | 31</a:t>
             </a:r>
           </a:p>
           <a:p>
@@ -26634,7 +26646,7 @@
                 <a:latin typeface="Times New Roman" panose="02020603050405020304" pitchFamily="18" charset="0"/>
                 <a:cs typeface="Times New Roman" panose="02020603050405020304" pitchFamily="18" charset="0"/>
               </a:rPr>
-              <a:t>2        | 56</a:t>
+              <a:t>1        | 56</a:t>
             </a:r>
           </a:p>
           <a:p>
@@ -26643,7 +26655,7 @@
                 <a:latin typeface="Times New Roman" panose="02020603050405020304" pitchFamily="18" charset="0"/>
                 <a:cs typeface="Times New Roman" panose="02020603050405020304" pitchFamily="18" charset="0"/>
               </a:rPr>
-              <a:t>3        | </a:t>
+              <a:t>2        | 19</a:t>
             </a:r>
           </a:p>
           <a:p>
@@ -26652,6 +26664,15 @@
                 <a:latin typeface="Times New Roman" panose="02020603050405020304" pitchFamily="18" charset="0"/>
                 <a:cs typeface="Times New Roman" panose="02020603050405020304" pitchFamily="18" charset="0"/>
               </a:rPr>
+              <a:t>3        |</a:t>
+            </a:r>
+          </a:p>
+          <a:p>
+            <a:r>
+              <a:rPr lang="en-US" sz="2400" dirty="0">
+                <a:latin typeface="Times New Roman" panose="02020603050405020304" pitchFamily="18" charset="0"/>
+                <a:cs typeface="Times New Roman" panose="02020603050405020304" pitchFamily="18" charset="0"/>
+              </a:rPr>
               <a:t>4        |</a:t>
             </a:r>
           </a:p>
@@ -26661,7 +26682,7 @@
                 <a:latin typeface="Times New Roman" panose="02020603050405020304" pitchFamily="18" charset="0"/>
                 <a:cs typeface="Times New Roman" panose="02020603050405020304" pitchFamily="18" charset="0"/>
               </a:rPr>
-              <a:t>5        |</a:t>
+              <a:t>5        | </a:t>
             </a:r>
           </a:p>
           <a:p>
@@ -26679,7 +26700,7 @@
                 <a:latin typeface="Times New Roman" panose="02020603050405020304" pitchFamily="18" charset="0"/>
                 <a:cs typeface="Times New Roman" panose="02020603050405020304" pitchFamily="18" charset="0"/>
               </a:rPr>
-              <a:t>7        | </a:t>
+              <a:t>7        |</a:t>
             </a:r>
           </a:p>
           <a:p>
@@ -26707,24 +26728,6 @@
                 <a:cs typeface="Times New Roman" panose="02020603050405020304" pitchFamily="18" charset="0"/>
               </a:rPr>
               <a:t>10      | 75</a:t>
-            </a:r>
-          </a:p>
-          <a:p>
-            <a:r>
-              <a:rPr lang="en-US" sz="2400" dirty="0">
-                <a:latin typeface="Times New Roman" panose="02020603050405020304" pitchFamily="18" charset="0"/>
-                <a:cs typeface="Times New Roman" panose="02020603050405020304" pitchFamily="18" charset="0"/>
-              </a:rPr>
-              <a:t>11      | 31</a:t>
-            </a:r>
-          </a:p>
-          <a:p>
-            <a:r>
-              <a:rPr lang="en-US" sz="2400" dirty="0">
-                <a:latin typeface="Times New Roman" panose="02020603050405020304" pitchFamily="18" charset="0"/>
-                <a:cs typeface="Times New Roman" panose="02020603050405020304" pitchFamily="18" charset="0"/>
-              </a:rPr>
-              <a:t>12      | 19</a:t>
             </a:r>
           </a:p>
         </p:txBody>
@@ -26911,15 +26914,25 @@
               <a:rPr lang="en-AU" b="0" i="0" u="none" strike="noStrike" dirty="0">
                 <a:effectLst/>
               </a:rPr>
-              <a:t>31 is at index 11: 3 comparisons (collisions with 20 and 75).</a:t>
-            </a:r>
-          </a:p>
-          <a:p>
+              <a:t>31 is at index </a:t>
+            </a:r>
+            <a:r>
+              <a:rPr lang="en-AU" dirty="0"/>
+              <a:t>0</a:t>
+            </a:r>
             <a:r>
               <a:rPr lang="en-AU" b="0" i="0" u="none" strike="noStrike" dirty="0">
                 <a:effectLst/>
               </a:rPr>
-              <a:t>19 is at index 12: 3 comparisons (collisions with 30 and 20).</a:t>
+              <a:t>: 3 comparisons (collisions with 20 and 75).</a:t>
+            </a:r>
+          </a:p>
+          <a:p>
+            <a:r>
+              <a:rPr lang="en-AU" b="0" i="0" u="none" strike="noStrike" dirty="0">
+                <a:effectLst/>
+              </a:rPr>
+              <a:t>19 is at index 2: 5 comparisons (collisions with 30, 20, 75, and 31).</a:t>
             </a:r>
           </a:p>
           <a:p>
@@ -26937,7 +26950,7 @@
               <a:rPr lang="en-AU" b="1" i="0" u="none" strike="noStrike" dirty="0">
                 <a:effectLst/>
               </a:rPr>
-              <a:t>Largest number of key comparisons in a successful search is 3 (for 31 and 19).</a:t>
+              <a:t>Largest number of key comparisons in a successful search is 5 (for 19).</a:t>
             </a:r>
           </a:p>
           <a:p>
@@ -26965,7 +26978,7 @@
               <a:rPr lang="en-AU" b="1" i="0" u="none" strike="noStrike" dirty="0">
                 <a:effectLst/>
               </a:rPr>
-              <a:t>  = 11 / 6 ≈1.83</a:t>
+              <a:t>  = 13 / 6 ≈ 2.17</a:t>
             </a:r>
           </a:p>
           <a:p>
